--- a/5. Local Data/Custom Contact Feature.pptx
+++ b/5. Local Data/Custom Contact Feature.pptx
@@ -5,12 +5,22 @@
     <p:sldMasterId id="2147483648" r:id="rId1"/>
   </p:sldMasterIdLst>
   <p:notesMasterIdLst>
-    <p:notesMasterId r:id="rId5"/>
+    <p:notesMasterId r:id="rId15"/>
   </p:notesMasterIdLst>
   <p:sldIdLst>
     <p:sldId id="256" r:id="rId2"/>
     <p:sldId id="262" r:id="rId3"/>
     <p:sldId id="263" r:id="rId4"/>
+    <p:sldId id="265" r:id="rId5"/>
+    <p:sldId id="274" r:id="rId6"/>
+    <p:sldId id="266" r:id="rId7"/>
+    <p:sldId id="267" r:id="rId8"/>
+    <p:sldId id="268" r:id="rId9"/>
+    <p:sldId id="269" r:id="rId10"/>
+    <p:sldId id="270" r:id="rId11"/>
+    <p:sldId id="272" r:id="rId12"/>
+    <p:sldId id="273" r:id="rId13"/>
+    <p:sldId id="275" r:id="rId14"/>
   </p:sldIdLst>
   <p:sldSz cx="12192000" cy="6858000"/>
   <p:notesSz cx="6858000" cy="9144000"/>
@@ -3991,6 +4001,777 @@
 </p:sld>
 </file>
 
+<file path=ppt/slides/slide10.xml><?xml version="1.0" encoding="utf-8"?>
+<p:sld xmlns:a="http://schemas.openxmlformats.org/drawingml/2006/main" xmlns:r="http://schemas.openxmlformats.org/officeDocument/2006/relationships" xmlns:p="http://schemas.openxmlformats.org/presentationml/2006/main">
+  <p:cSld>
+    <p:spTree>
+      <p:nvGrpSpPr>
+        <p:cNvPr id="1" name=""/>
+        <p:cNvGrpSpPr/>
+        <p:nvPr/>
+      </p:nvGrpSpPr>
+      <p:grpSpPr>
+        <a:xfrm>
+          <a:off x="0" y="0"/>
+          <a:ext cx="0" cy="0"/>
+          <a:chOff x="0" y="0"/>
+          <a:chExt cx="0" cy="0"/>
+        </a:xfrm>
+      </p:grpSpPr>
+      <p:sp>
+        <p:nvSpPr>
+          <p:cNvPr id="2" name="Title 1">
+            <a:extLst>
+              <a:ext uri="{FF2B5EF4-FFF2-40B4-BE49-F238E27FC236}">
+                <a16:creationId xmlns:a16="http://schemas.microsoft.com/office/drawing/2014/main" id="{6CCF4DE6-74E2-FA4A-8F98-4FACA6F0A9D5}"/>
+              </a:ext>
+            </a:extLst>
+          </p:cNvPr>
+          <p:cNvSpPr>
+            <a:spLocks noGrp="1"/>
+          </p:cNvSpPr>
+          <p:nvPr>
+            <p:ph type="title"/>
+          </p:nvPr>
+        </p:nvSpPr>
+        <p:spPr/>
+        <p:txBody>
+          <a:bodyPr/>
+          <a:lstStyle/>
+          <a:p>
+            <a:r>
+              <a:rPr lang="en-US" dirty="0">
+                <a:latin typeface="Helvetica Neue" panose="02000503000000020004" pitchFamily="2" charset="0"/>
+                <a:ea typeface="Helvetica Neue" panose="02000503000000020004" pitchFamily="2" charset="0"/>
+                <a:cs typeface="Helvetica Neue" panose="02000503000000020004" pitchFamily="2" charset="0"/>
+              </a:rPr>
+              <a:t>Add new API</a:t>
+            </a:r>
+            <a:endParaRPr lang="en-US" dirty="0"/>
+          </a:p>
+        </p:txBody>
+      </p:sp>
+      <p:pic>
+        <p:nvPicPr>
+          <p:cNvPr id="4" name="Picture 3">
+            <a:extLst>
+              <a:ext uri="{FF2B5EF4-FFF2-40B4-BE49-F238E27FC236}">
+                <a16:creationId xmlns:a16="http://schemas.microsoft.com/office/drawing/2014/main" id="{0D0EEC9E-0084-514E-B360-6EAC1858759B}"/>
+              </a:ext>
+            </a:extLst>
+          </p:cNvPr>
+          <p:cNvPicPr>
+            <a:picLocks noChangeAspect="1"/>
+          </p:cNvPicPr>
+          <p:nvPr/>
+        </p:nvPicPr>
+        <p:blipFill>
+          <a:blip r:embed="rId2"/>
+          <a:stretch>
+            <a:fillRect/>
+          </a:stretch>
+        </p:blipFill>
+        <p:spPr>
+          <a:xfrm>
+            <a:off x="393700" y="2492619"/>
+            <a:ext cx="11404600" cy="1485900"/>
+          </a:xfrm>
+          <a:prstGeom prst="rect">
+            <a:avLst/>
+          </a:prstGeom>
+        </p:spPr>
+      </p:pic>
+      <p:sp>
+        <p:nvSpPr>
+          <p:cNvPr id="13" name="TextBox 12">
+            <a:extLst>
+              <a:ext uri="{FF2B5EF4-FFF2-40B4-BE49-F238E27FC236}">
+                <a16:creationId xmlns:a16="http://schemas.microsoft.com/office/drawing/2014/main" id="{DA674B9A-9410-5B4B-9175-B936C4CD5E1F}"/>
+              </a:ext>
+            </a:extLst>
+          </p:cNvPr>
+          <p:cNvSpPr txBox="1"/>
+          <p:nvPr/>
+        </p:nvSpPr>
+        <p:spPr>
+          <a:xfrm>
+            <a:off x="520697" y="2030954"/>
+            <a:ext cx="1371401" cy="461665"/>
+          </a:xfrm>
+          <a:prstGeom prst="rect">
+            <a:avLst/>
+          </a:prstGeom>
+          <a:noFill/>
+        </p:spPr>
+        <p:txBody>
+          <a:bodyPr wrap="none" rtlCol="0">
+            <a:spAutoFit/>
+          </a:bodyPr>
+          <a:lstStyle/>
+          <a:p>
+            <a:r>
+              <a:rPr lang="en-US" sz="2400" b="1" dirty="0" err="1"/>
+              <a:t>people.ts</a:t>
+            </a:r>
+            <a:endParaRPr lang="en-US" sz="2400" b="1" dirty="0"/>
+          </a:p>
+        </p:txBody>
+      </p:sp>
+    </p:spTree>
+    <p:extLst>
+      <p:ext uri="{BB962C8B-B14F-4D97-AF65-F5344CB8AC3E}">
+        <p14:creationId xmlns:p14="http://schemas.microsoft.com/office/powerpoint/2010/main" val="2048308893"/>
+      </p:ext>
+    </p:extLst>
+  </p:cSld>
+  <p:clrMapOvr>
+    <a:masterClrMapping/>
+  </p:clrMapOvr>
+</p:sld>
+</file>
+
+<file path=ppt/slides/slide11.xml><?xml version="1.0" encoding="utf-8"?>
+<p:sld xmlns:a="http://schemas.openxmlformats.org/drawingml/2006/main" xmlns:r="http://schemas.openxmlformats.org/officeDocument/2006/relationships" xmlns:p="http://schemas.openxmlformats.org/presentationml/2006/main">
+  <p:cSld>
+    <p:spTree>
+      <p:nvGrpSpPr>
+        <p:cNvPr id="1" name=""/>
+        <p:cNvGrpSpPr/>
+        <p:nvPr/>
+      </p:nvGrpSpPr>
+      <p:grpSpPr>
+        <a:xfrm>
+          <a:off x="0" y="0"/>
+          <a:ext cx="0" cy="0"/>
+          <a:chOff x="0" y="0"/>
+          <a:chExt cx="0" cy="0"/>
+        </a:xfrm>
+      </p:grpSpPr>
+      <p:sp>
+        <p:nvSpPr>
+          <p:cNvPr id="2" name="Title 1">
+            <a:extLst>
+              <a:ext uri="{FF2B5EF4-FFF2-40B4-BE49-F238E27FC236}">
+                <a16:creationId xmlns:a16="http://schemas.microsoft.com/office/drawing/2014/main" id="{6CCF4DE6-74E2-FA4A-8F98-4FACA6F0A9D5}"/>
+              </a:ext>
+            </a:extLst>
+          </p:cNvPr>
+          <p:cNvSpPr>
+            <a:spLocks noGrp="1"/>
+          </p:cNvSpPr>
+          <p:nvPr>
+            <p:ph type="title"/>
+          </p:nvPr>
+        </p:nvSpPr>
+        <p:spPr/>
+        <p:txBody>
+          <a:bodyPr/>
+          <a:lstStyle/>
+          <a:p>
+            <a:r>
+              <a:rPr lang="en-US" dirty="0">
+                <a:latin typeface="Helvetica Neue" panose="02000503000000020004" pitchFamily="2" charset="0"/>
+                <a:ea typeface="Helvetica Neue" panose="02000503000000020004" pitchFamily="2" charset="0"/>
+                <a:cs typeface="Helvetica Neue" panose="02000503000000020004" pitchFamily="2" charset="0"/>
+              </a:rPr>
+              <a:t>Filter by Gender Male</a:t>
+            </a:r>
+            <a:endParaRPr lang="en-US" dirty="0"/>
+          </a:p>
+        </p:txBody>
+      </p:sp>
+      <p:sp>
+        <p:nvSpPr>
+          <p:cNvPr id="10" name="Frame 9">
+            <a:extLst>
+              <a:ext uri="{FF2B5EF4-FFF2-40B4-BE49-F238E27FC236}">
+                <a16:creationId xmlns:a16="http://schemas.microsoft.com/office/drawing/2014/main" id="{595531A4-DAD2-7E47-93F4-6489BA77FC4C}"/>
+              </a:ext>
+            </a:extLst>
+          </p:cNvPr>
+          <p:cNvSpPr/>
+          <p:nvPr/>
+        </p:nvSpPr>
+        <p:spPr>
+          <a:xfrm>
+            <a:off x="2710832" y="1990640"/>
+            <a:ext cx="526731" cy="473159"/>
+          </a:xfrm>
+          <a:prstGeom prst="frame">
+            <a:avLst/>
+          </a:prstGeom>
+          <a:solidFill>
+            <a:schemeClr val="accent2"/>
+          </a:solidFill>
+          <a:ln>
+            <a:noFill/>
+          </a:ln>
+        </p:spPr>
+        <p:style>
+          <a:lnRef idx="2">
+            <a:schemeClr val="accent1">
+              <a:shade val="50000"/>
+            </a:schemeClr>
+          </a:lnRef>
+          <a:fillRef idx="1">
+            <a:schemeClr val="accent1"/>
+          </a:fillRef>
+          <a:effectRef idx="0">
+            <a:schemeClr val="accent1"/>
+          </a:effectRef>
+          <a:fontRef idx="minor">
+            <a:schemeClr val="lt1"/>
+          </a:fontRef>
+        </p:style>
+        <p:txBody>
+          <a:bodyPr rtlCol="0" anchor="ctr"/>
+          <a:lstStyle/>
+          <a:p>
+            <a:pPr algn="ctr"/>
+            <a:endParaRPr lang="en-US">
+              <a:solidFill>
+                <a:schemeClr val="tx1"/>
+              </a:solidFill>
+            </a:endParaRPr>
+          </a:p>
+        </p:txBody>
+      </p:sp>
+      <p:pic>
+        <p:nvPicPr>
+          <p:cNvPr id="5" name="Picture 4">
+            <a:extLst>
+              <a:ext uri="{FF2B5EF4-FFF2-40B4-BE49-F238E27FC236}">
+                <a16:creationId xmlns:a16="http://schemas.microsoft.com/office/drawing/2014/main" id="{DA7EB665-D654-6046-87EB-5286E224910B}"/>
+              </a:ext>
+            </a:extLst>
+          </p:cNvPr>
+          <p:cNvPicPr>
+            <a:picLocks noChangeAspect="1"/>
+          </p:cNvPicPr>
+          <p:nvPr/>
+        </p:nvPicPr>
+        <p:blipFill>
+          <a:blip r:embed="rId2"/>
+          <a:stretch>
+            <a:fillRect/>
+          </a:stretch>
+        </p:blipFill>
+        <p:spPr>
+          <a:xfrm>
+            <a:off x="557875" y="1649492"/>
+            <a:ext cx="2777465" cy="4994031"/>
+          </a:xfrm>
+          <a:prstGeom prst="rect">
+            <a:avLst/>
+          </a:prstGeom>
+        </p:spPr>
+      </p:pic>
+      <p:pic>
+        <p:nvPicPr>
+          <p:cNvPr id="4" name="Picture 3">
+            <a:extLst>
+              <a:ext uri="{FF2B5EF4-FFF2-40B4-BE49-F238E27FC236}">
+                <a16:creationId xmlns:a16="http://schemas.microsoft.com/office/drawing/2014/main" id="{7B16E04D-3CA3-894D-B8A2-5A0C10628116}"/>
+              </a:ext>
+            </a:extLst>
+          </p:cNvPr>
+          <p:cNvPicPr>
+            <a:picLocks noChangeAspect="1"/>
+          </p:cNvPicPr>
+          <p:nvPr/>
+        </p:nvPicPr>
+        <p:blipFill>
+          <a:blip r:embed="rId3"/>
+          <a:stretch>
+            <a:fillRect/>
+          </a:stretch>
+        </p:blipFill>
+        <p:spPr>
+          <a:xfrm>
+            <a:off x="3552091" y="1961638"/>
+            <a:ext cx="7213239" cy="4681885"/>
+          </a:xfrm>
+          <a:prstGeom prst="rect">
+            <a:avLst/>
+          </a:prstGeom>
+        </p:spPr>
+      </p:pic>
+      <p:sp>
+        <p:nvSpPr>
+          <p:cNvPr id="13" name="TextBox 12">
+            <a:extLst>
+              <a:ext uri="{FF2B5EF4-FFF2-40B4-BE49-F238E27FC236}">
+                <a16:creationId xmlns:a16="http://schemas.microsoft.com/office/drawing/2014/main" id="{D3D64FAA-E8FD-7C42-98E2-83A2C12CDE0A}"/>
+              </a:ext>
+            </a:extLst>
+          </p:cNvPr>
+          <p:cNvSpPr txBox="1"/>
+          <p:nvPr/>
+        </p:nvSpPr>
+        <p:spPr>
+          <a:xfrm>
+            <a:off x="3454314" y="1528975"/>
+            <a:ext cx="1436162" cy="461665"/>
+          </a:xfrm>
+          <a:prstGeom prst="rect">
+            <a:avLst/>
+          </a:prstGeom>
+          <a:noFill/>
+        </p:spPr>
+        <p:txBody>
+          <a:bodyPr wrap="none" rtlCol="0">
+            <a:spAutoFit/>
+          </a:bodyPr>
+          <a:lstStyle/>
+          <a:p>
+            <a:r>
+              <a:rPr lang="en-US" sz="2400" b="1" dirty="0"/>
+              <a:t>contact.ts</a:t>
+            </a:r>
+          </a:p>
+        </p:txBody>
+      </p:sp>
+    </p:spTree>
+    <p:extLst>
+      <p:ext uri="{BB962C8B-B14F-4D97-AF65-F5344CB8AC3E}">
+        <p14:creationId xmlns:p14="http://schemas.microsoft.com/office/powerpoint/2010/main" val="1811133203"/>
+      </p:ext>
+    </p:extLst>
+  </p:cSld>
+  <p:clrMapOvr>
+    <a:masterClrMapping/>
+  </p:clrMapOvr>
+</p:sld>
+</file>
+
+<file path=ppt/slides/slide12.xml><?xml version="1.0" encoding="utf-8"?>
+<p:sld xmlns:a="http://schemas.openxmlformats.org/drawingml/2006/main" xmlns:r="http://schemas.openxmlformats.org/officeDocument/2006/relationships" xmlns:p="http://schemas.openxmlformats.org/presentationml/2006/main">
+  <p:cSld>
+    <p:spTree>
+      <p:nvGrpSpPr>
+        <p:cNvPr id="1" name=""/>
+        <p:cNvGrpSpPr/>
+        <p:nvPr/>
+      </p:nvGrpSpPr>
+      <p:grpSpPr>
+        <a:xfrm>
+          <a:off x="0" y="0"/>
+          <a:ext cx="0" cy="0"/>
+          <a:chOff x="0" y="0"/>
+          <a:chExt cx="0" cy="0"/>
+        </a:xfrm>
+      </p:grpSpPr>
+      <p:sp>
+        <p:nvSpPr>
+          <p:cNvPr id="2" name="Title 1">
+            <a:extLst>
+              <a:ext uri="{FF2B5EF4-FFF2-40B4-BE49-F238E27FC236}">
+                <a16:creationId xmlns:a16="http://schemas.microsoft.com/office/drawing/2014/main" id="{6CCF4DE6-74E2-FA4A-8F98-4FACA6F0A9D5}"/>
+              </a:ext>
+            </a:extLst>
+          </p:cNvPr>
+          <p:cNvSpPr>
+            <a:spLocks noGrp="1"/>
+          </p:cNvSpPr>
+          <p:nvPr>
+            <p:ph type="title"/>
+          </p:nvPr>
+        </p:nvSpPr>
+        <p:spPr/>
+        <p:txBody>
+          <a:bodyPr/>
+          <a:lstStyle/>
+          <a:p>
+            <a:r>
+              <a:rPr lang="en-US" dirty="0">
+                <a:latin typeface="Helvetica Neue" panose="02000503000000020004" pitchFamily="2" charset="0"/>
+                <a:ea typeface="Helvetica Neue" panose="02000503000000020004" pitchFamily="2" charset="0"/>
+                <a:cs typeface="Helvetica Neue" panose="02000503000000020004" pitchFamily="2" charset="0"/>
+              </a:rPr>
+              <a:t>Filter by Gender Female</a:t>
+            </a:r>
+            <a:endParaRPr lang="en-US" dirty="0"/>
+          </a:p>
+        </p:txBody>
+      </p:sp>
+      <p:sp>
+        <p:nvSpPr>
+          <p:cNvPr id="10" name="Frame 9">
+            <a:extLst>
+              <a:ext uri="{FF2B5EF4-FFF2-40B4-BE49-F238E27FC236}">
+                <a16:creationId xmlns:a16="http://schemas.microsoft.com/office/drawing/2014/main" id="{595531A4-DAD2-7E47-93F4-6489BA77FC4C}"/>
+              </a:ext>
+            </a:extLst>
+          </p:cNvPr>
+          <p:cNvSpPr/>
+          <p:nvPr/>
+        </p:nvSpPr>
+        <p:spPr>
+          <a:xfrm>
+            <a:off x="2710832" y="1990640"/>
+            <a:ext cx="526731" cy="473159"/>
+          </a:xfrm>
+          <a:prstGeom prst="frame">
+            <a:avLst/>
+          </a:prstGeom>
+          <a:solidFill>
+            <a:schemeClr val="accent2"/>
+          </a:solidFill>
+          <a:ln>
+            <a:noFill/>
+          </a:ln>
+        </p:spPr>
+        <p:style>
+          <a:lnRef idx="2">
+            <a:schemeClr val="accent1">
+              <a:shade val="50000"/>
+            </a:schemeClr>
+          </a:lnRef>
+          <a:fillRef idx="1">
+            <a:schemeClr val="accent1"/>
+          </a:fillRef>
+          <a:effectRef idx="0">
+            <a:schemeClr val="accent1"/>
+          </a:effectRef>
+          <a:fontRef idx="minor">
+            <a:schemeClr val="lt1"/>
+          </a:fontRef>
+        </p:style>
+        <p:txBody>
+          <a:bodyPr rtlCol="0" anchor="ctr"/>
+          <a:lstStyle/>
+          <a:p>
+            <a:pPr algn="ctr"/>
+            <a:endParaRPr lang="en-US">
+              <a:solidFill>
+                <a:schemeClr val="tx1"/>
+              </a:solidFill>
+            </a:endParaRPr>
+          </a:p>
+        </p:txBody>
+      </p:sp>
+      <p:pic>
+        <p:nvPicPr>
+          <p:cNvPr id="5" name="Picture 4">
+            <a:extLst>
+              <a:ext uri="{FF2B5EF4-FFF2-40B4-BE49-F238E27FC236}">
+                <a16:creationId xmlns:a16="http://schemas.microsoft.com/office/drawing/2014/main" id="{DA7EB665-D654-6046-87EB-5286E224910B}"/>
+              </a:ext>
+            </a:extLst>
+          </p:cNvPr>
+          <p:cNvPicPr>
+            <a:picLocks noChangeAspect="1"/>
+          </p:cNvPicPr>
+          <p:nvPr/>
+        </p:nvPicPr>
+        <p:blipFill>
+          <a:blip r:embed="rId2"/>
+          <a:stretch>
+            <a:fillRect/>
+          </a:stretch>
+        </p:blipFill>
+        <p:spPr>
+          <a:xfrm>
+            <a:off x="557875" y="1649492"/>
+            <a:ext cx="2777465" cy="4994031"/>
+          </a:xfrm>
+          <a:prstGeom prst="rect">
+            <a:avLst/>
+          </a:prstGeom>
+        </p:spPr>
+      </p:pic>
+      <p:sp>
+        <p:nvSpPr>
+          <p:cNvPr id="13" name="TextBox 12">
+            <a:extLst>
+              <a:ext uri="{FF2B5EF4-FFF2-40B4-BE49-F238E27FC236}">
+                <a16:creationId xmlns:a16="http://schemas.microsoft.com/office/drawing/2014/main" id="{D3D64FAA-E8FD-7C42-98E2-83A2C12CDE0A}"/>
+              </a:ext>
+            </a:extLst>
+          </p:cNvPr>
+          <p:cNvSpPr txBox="1"/>
+          <p:nvPr/>
+        </p:nvSpPr>
+        <p:spPr>
+          <a:xfrm>
+            <a:off x="3454314" y="1528975"/>
+            <a:ext cx="1436162" cy="461665"/>
+          </a:xfrm>
+          <a:prstGeom prst="rect">
+            <a:avLst/>
+          </a:prstGeom>
+          <a:noFill/>
+        </p:spPr>
+        <p:txBody>
+          <a:bodyPr wrap="none" rtlCol="0">
+            <a:spAutoFit/>
+          </a:bodyPr>
+          <a:lstStyle/>
+          <a:p>
+            <a:r>
+              <a:rPr lang="en-US" sz="2400" b="1" dirty="0"/>
+              <a:t>contact.ts</a:t>
+            </a:r>
+          </a:p>
+        </p:txBody>
+      </p:sp>
+      <p:pic>
+        <p:nvPicPr>
+          <p:cNvPr id="12" name="Picture 11">
+            <a:extLst>
+              <a:ext uri="{FF2B5EF4-FFF2-40B4-BE49-F238E27FC236}">
+                <a16:creationId xmlns:a16="http://schemas.microsoft.com/office/drawing/2014/main" id="{4912634B-E638-904D-A931-ADFA2B5BE4F7}"/>
+              </a:ext>
+            </a:extLst>
+          </p:cNvPr>
+          <p:cNvPicPr>
+            <a:picLocks noChangeAspect="1"/>
+          </p:cNvPicPr>
+          <p:nvPr/>
+        </p:nvPicPr>
+        <p:blipFill>
+          <a:blip r:embed="rId3"/>
+          <a:stretch>
+            <a:fillRect/>
+          </a:stretch>
+        </p:blipFill>
+        <p:spPr>
+          <a:xfrm>
+            <a:off x="3454314" y="1990640"/>
+            <a:ext cx="8115300" cy="4406900"/>
+          </a:xfrm>
+          <a:prstGeom prst="rect">
+            <a:avLst/>
+          </a:prstGeom>
+        </p:spPr>
+      </p:pic>
+    </p:spTree>
+    <p:extLst>
+      <p:ext uri="{BB962C8B-B14F-4D97-AF65-F5344CB8AC3E}">
+        <p14:creationId xmlns:p14="http://schemas.microsoft.com/office/powerpoint/2010/main" val="2044930340"/>
+      </p:ext>
+    </p:extLst>
+  </p:cSld>
+  <p:clrMapOvr>
+    <a:masterClrMapping/>
+  </p:clrMapOvr>
+</p:sld>
+</file>
+
+<file path=ppt/slides/slide13.xml><?xml version="1.0" encoding="utf-8"?>
+<p:sld xmlns:a="http://schemas.openxmlformats.org/drawingml/2006/main" xmlns:r="http://schemas.openxmlformats.org/officeDocument/2006/relationships" xmlns:p="http://schemas.openxmlformats.org/presentationml/2006/main">
+  <p:cSld>
+    <p:spTree>
+      <p:nvGrpSpPr>
+        <p:cNvPr id="1" name=""/>
+        <p:cNvGrpSpPr/>
+        <p:nvPr/>
+      </p:nvGrpSpPr>
+      <p:grpSpPr>
+        <a:xfrm>
+          <a:off x="0" y="0"/>
+          <a:ext cx="0" cy="0"/>
+          <a:chOff x="0" y="0"/>
+          <a:chExt cx="0" cy="0"/>
+        </a:xfrm>
+      </p:grpSpPr>
+      <p:sp>
+        <p:nvSpPr>
+          <p:cNvPr id="2" name="Title 1">
+            <a:extLst>
+              <a:ext uri="{FF2B5EF4-FFF2-40B4-BE49-F238E27FC236}">
+                <a16:creationId xmlns:a16="http://schemas.microsoft.com/office/drawing/2014/main" id="{6CCF4DE6-74E2-FA4A-8F98-4FACA6F0A9D5}"/>
+              </a:ext>
+            </a:extLst>
+          </p:cNvPr>
+          <p:cNvSpPr>
+            <a:spLocks noGrp="1"/>
+          </p:cNvSpPr>
+          <p:nvPr>
+            <p:ph type="title"/>
+          </p:nvPr>
+        </p:nvSpPr>
+        <p:spPr/>
+        <p:txBody>
+          <a:bodyPr/>
+          <a:lstStyle/>
+          <a:p>
+            <a:r>
+              <a:rPr lang="en-US" dirty="0">
+                <a:latin typeface="Helvetica Neue" panose="02000503000000020004" pitchFamily="2" charset="0"/>
+                <a:ea typeface="Helvetica Neue" panose="02000503000000020004" pitchFamily="2" charset="0"/>
+                <a:cs typeface="Helvetica Neue" panose="02000503000000020004" pitchFamily="2" charset="0"/>
+              </a:rPr>
+              <a:t>No Filter</a:t>
+            </a:r>
+            <a:endParaRPr lang="en-US" dirty="0"/>
+          </a:p>
+        </p:txBody>
+      </p:sp>
+      <p:sp>
+        <p:nvSpPr>
+          <p:cNvPr id="10" name="Frame 9">
+            <a:extLst>
+              <a:ext uri="{FF2B5EF4-FFF2-40B4-BE49-F238E27FC236}">
+                <a16:creationId xmlns:a16="http://schemas.microsoft.com/office/drawing/2014/main" id="{595531A4-DAD2-7E47-93F4-6489BA77FC4C}"/>
+              </a:ext>
+            </a:extLst>
+          </p:cNvPr>
+          <p:cNvSpPr/>
+          <p:nvPr/>
+        </p:nvSpPr>
+        <p:spPr>
+          <a:xfrm>
+            <a:off x="2710832" y="1990640"/>
+            <a:ext cx="526731" cy="473159"/>
+          </a:xfrm>
+          <a:prstGeom prst="frame">
+            <a:avLst/>
+          </a:prstGeom>
+          <a:solidFill>
+            <a:schemeClr val="accent2"/>
+          </a:solidFill>
+          <a:ln>
+            <a:noFill/>
+          </a:ln>
+        </p:spPr>
+        <p:style>
+          <a:lnRef idx="2">
+            <a:schemeClr val="accent1">
+              <a:shade val="50000"/>
+            </a:schemeClr>
+          </a:lnRef>
+          <a:fillRef idx="1">
+            <a:schemeClr val="accent1"/>
+          </a:fillRef>
+          <a:effectRef idx="0">
+            <a:schemeClr val="accent1"/>
+          </a:effectRef>
+          <a:fontRef idx="minor">
+            <a:schemeClr val="lt1"/>
+          </a:fontRef>
+        </p:style>
+        <p:txBody>
+          <a:bodyPr rtlCol="0" anchor="ctr"/>
+          <a:lstStyle/>
+          <a:p>
+            <a:pPr algn="ctr"/>
+            <a:endParaRPr lang="en-US">
+              <a:solidFill>
+                <a:schemeClr val="tx1"/>
+              </a:solidFill>
+            </a:endParaRPr>
+          </a:p>
+        </p:txBody>
+      </p:sp>
+      <p:pic>
+        <p:nvPicPr>
+          <p:cNvPr id="5" name="Picture 4">
+            <a:extLst>
+              <a:ext uri="{FF2B5EF4-FFF2-40B4-BE49-F238E27FC236}">
+                <a16:creationId xmlns:a16="http://schemas.microsoft.com/office/drawing/2014/main" id="{DA7EB665-D654-6046-87EB-5286E224910B}"/>
+              </a:ext>
+            </a:extLst>
+          </p:cNvPr>
+          <p:cNvPicPr>
+            <a:picLocks noChangeAspect="1"/>
+          </p:cNvPicPr>
+          <p:nvPr/>
+        </p:nvPicPr>
+        <p:blipFill>
+          <a:blip r:embed="rId2"/>
+          <a:stretch>
+            <a:fillRect/>
+          </a:stretch>
+        </p:blipFill>
+        <p:spPr>
+          <a:xfrm>
+            <a:off x="557875" y="1649492"/>
+            <a:ext cx="2777465" cy="4994031"/>
+          </a:xfrm>
+          <a:prstGeom prst="rect">
+            <a:avLst/>
+          </a:prstGeom>
+        </p:spPr>
+      </p:pic>
+      <p:sp>
+        <p:nvSpPr>
+          <p:cNvPr id="13" name="TextBox 12">
+            <a:extLst>
+              <a:ext uri="{FF2B5EF4-FFF2-40B4-BE49-F238E27FC236}">
+                <a16:creationId xmlns:a16="http://schemas.microsoft.com/office/drawing/2014/main" id="{D3D64FAA-E8FD-7C42-98E2-83A2C12CDE0A}"/>
+              </a:ext>
+            </a:extLst>
+          </p:cNvPr>
+          <p:cNvSpPr txBox="1"/>
+          <p:nvPr/>
+        </p:nvSpPr>
+        <p:spPr>
+          <a:xfrm>
+            <a:off x="3454314" y="1528975"/>
+            <a:ext cx="1436162" cy="461665"/>
+          </a:xfrm>
+          <a:prstGeom prst="rect">
+            <a:avLst/>
+          </a:prstGeom>
+          <a:noFill/>
+        </p:spPr>
+        <p:txBody>
+          <a:bodyPr wrap="none" rtlCol="0">
+            <a:spAutoFit/>
+          </a:bodyPr>
+          <a:lstStyle/>
+          <a:p>
+            <a:r>
+              <a:rPr lang="en-US" sz="2400" b="1" dirty="0"/>
+              <a:t>contact.ts</a:t>
+            </a:r>
+          </a:p>
+        </p:txBody>
+      </p:sp>
+      <p:pic>
+        <p:nvPicPr>
+          <p:cNvPr id="4" name="Picture 3">
+            <a:extLst>
+              <a:ext uri="{FF2B5EF4-FFF2-40B4-BE49-F238E27FC236}">
+                <a16:creationId xmlns:a16="http://schemas.microsoft.com/office/drawing/2014/main" id="{907157D5-0261-3E4F-B820-7FC764D9EAB1}"/>
+              </a:ext>
+            </a:extLst>
+          </p:cNvPr>
+          <p:cNvPicPr>
+            <a:picLocks noChangeAspect="1"/>
+          </p:cNvPicPr>
+          <p:nvPr/>
+        </p:nvPicPr>
+        <p:blipFill>
+          <a:blip r:embed="rId3"/>
+          <a:stretch>
+            <a:fillRect/>
+          </a:stretch>
+        </p:blipFill>
+        <p:spPr>
+          <a:xfrm>
+            <a:off x="3454314" y="1919123"/>
+            <a:ext cx="8204200" cy="4724400"/>
+          </a:xfrm>
+          <a:prstGeom prst="rect">
+            <a:avLst/>
+          </a:prstGeom>
+        </p:spPr>
+      </p:pic>
+    </p:spTree>
+    <p:extLst>
+      <p:ext uri="{BB962C8B-B14F-4D97-AF65-F5344CB8AC3E}">
+        <p14:creationId xmlns:p14="http://schemas.microsoft.com/office/powerpoint/2010/main" val="1788028680"/>
+      </p:ext>
+    </p:extLst>
+  </p:cSld>
+  <p:clrMapOvr>
+    <a:masterClrMapping/>
+  </p:clrMapOvr>
+</p:sld>
+</file>
+
 <file path=ppt/slides/slide2.xml><?xml version="1.0" encoding="utf-8"?>
 <p:sld xmlns:a="http://schemas.openxmlformats.org/drawingml/2006/main" xmlns:r="http://schemas.openxmlformats.org/officeDocument/2006/relationships" xmlns:p="http://schemas.openxmlformats.org/presentationml/2006/main">
   <p:cSld>
@@ -4076,6 +4857,39 @@
                 <a:cs typeface="Helvetica Neue" panose="02000503000000020004" pitchFamily="2" charset="0"/>
               </a:rPr>
               <a:t>Filter by Gender (new API)</a:t>
+            </a:r>
+          </a:p>
+          <a:p>
+            <a:pPr lvl="1"/>
+            <a:r>
+              <a:rPr lang="en-US" dirty="0">
+                <a:latin typeface="Helvetica Neue" panose="02000503000000020004" pitchFamily="2" charset="0"/>
+                <a:ea typeface="Helvetica Neue" panose="02000503000000020004" pitchFamily="2" charset="0"/>
+                <a:cs typeface="Helvetica Neue" panose="02000503000000020004" pitchFamily="2" charset="0"/>
+              </a:rPr>
+              <a:t>Male</a:t>
+            </a:r>
+          </a:p>
+          <a:p>
+            <a:pPr lvl="1"/>
+            <a:r>
+              <a:rPr lang="en-US" dirty="0">
+                <a:latin typeface="Helvetica Neue" panose="02000503000000020004" pitchFamily="2" charset="0"/>
+                <a:ea typeface="Helvetica Neue" panose="02000503000000020004" pitchFamily="2" charset="0"/>
+                <a:cs typeface="Helvetica Neue" panose="02000503000000020004" pitchFamily="2" charset="0"/>
+              </a:rPr>
+              <a:t>Female</a:t>
+            </a:r>
+          </a:p>
+          <a:p>
+            <a:pPr lvl="1"/>
+            <a:r>
+              <a:rPr lang="en-US" dirty="0">
+                <a:latin typeface="Helvetica Neue" panose="02000503000000020004" pitchFamily="2" charset="0"/>
+                <a:ea typeface="Helvetica Neue" panose="02000503000000020004" pitchFamily="2" charset="0"/>
+                <a:cs typeface="Helvetica Neue" panose="02000503000000020004" pitchFamily="2" charset="0"/>
+              </a:rPr>
+              <a:t>No Filter</a:t>
             </a:r>
           </a:p>
           <a:p>
@@ -4151,31 +4965,121 @@
           <a:bodyPr/>
           <a:lstStyle/>
           <a:p>
-            <a:endParaRPr lang="en-US"/>
-          </a:p>
-        </p:txBody>
-      </p:sp>
-      <p:sp>
-        <p:nvSpPr>
-          <p:cNvPr id="3" name="Content Placeholder 2">
-            <a:extLst>
-              <a:ext uri="{FF2B5EF4-FFF2-40B4-BE49-F238E27FC236}">
-                <a16:creationId xmlns:a16="http://schemas.microsoft.com/office/drawing/2014/main" id="{F9AE28C6-E4A7-9944-A66A-EBA5B18F3783}"/>
-              </a:ext>
-            </a:extLst>
-          </p:cNvPr>
-          <p:cNvSpPr>
-            <a:spLocks noGrp="1"/>
-          </p:cNvSpPr>
-          <p:nvPr>
-            <p:ph idx="1"/>
-          </p:nvPr>
-        </p:nvSpPr>
-        <p:spPr/>
-        <p:txBody>
-          <a:bodyPr/>
-          <a:lstStyle/>
-          <a:p>
+            <a:r>
+              <a:rPr lang="en-US" dirty="0"/>
+              <a:t>Search Contact</a:t>
+            </a:r>
+          </a:p>
+        </p:txBody>
+      </p:sp>
+      <p:pic>
+        <p:nvPicPr>
+          <p:cNvPr id="5" name="Picture 4">
+            <a:extLst>
+              <a:ext uri="{FF2B5EF4-FFF2-40B4-BE49-F238E27FC236}">
+                <a16:creationId xmlns:a16="http://schemas.microsoft.com/office/drawing/2014/main" id="{0AEDFDF5-9F3C-274F-89CF-8F20C8E49460}"/>
+              </a:ext>
+            </a:extLst>
+          </p:cNvPr>
+          <p:cNvPicPr>
+            <a:picLocks noChangeAspect="1"/>
+          </p:cNvPicPr>
+          <p:nvPr/>
+        </p:nvPicPr>
+        <p:blipFill>
+          <a:blip r:embed="rId2"/>
+          <a:stretch>
+            <a:fillRect/>
+          </a:stretch>
+        </p:blipFill>
+        <p:spPr>
+          <a:xfrm>
+            <a:off x="6474508" y="1531367"/>
+            <a:ext cx="2669492" cy="4831450"/>
+          </a:xfrm>
+          <a:prstGeom prst="rect">
+            <a:avLst/>
+          </a:prstGeom>
+        </p:spPr>
+      </p:pic>
+      <p:pic>
+        <p:nvPicPr>
+          <p:cNvPr id="7" name="Picture 6">
+            <a:extLst>
+              <a:ext uri="{FF2B5EF4-FFF2-40B4-BE49-F238E27FC236}">
+                <a16:creationId xmlns:a16="http://schemas.microsoft.com/office/drawing/2014/main" id="{3C01F63A-CABE-0F45-99C5-5DD5B7530CA2}"/>
+              </a:ext>
+            </a:extLst>
+          </p:cNvPr>
+          <p:cNvPicPr>
+            <a:picLocks noChangeAspect="1"/>
+          </p:cNvPicPr>
+          <p:nvPr/>
+        </p:nvPicPr>
+        <p:blipFill>
+          <a:blip r:embed="rId3"/>
+          <a:stretch>
+            <a:fillRect/>
+          </a:stretch>
+        </p:blipFill>
+        <p:spPr>
+          <a:xfrm>
+            <a:off x="3115721" y="1526344"/>
+            <a:ext cx="2709750" cy="4836473"/>
+          </a:xfrm>
+          <a:prstGeom prst="rect">
+            <a:avLst/>
+          </a:prstGeom>
+        </p:spPr>
+      </p:pic>
+      <p:sp>
+        <p:nvSpPr>
+          <p:cNvPr id="8" name="Right Arrow 7">
+            <a:extLst>
+              <a:ext uri="{FF2B5EF4-FFF2-40B4-BE49-F238E27FC236}">
+                <a16:creationId xmlns:a16="http://schemas.microsoft.com/office/drawing/2014/main" id="{2CF7215C-53A8-C04C-9E40-1C923CC3AC7E}"/>
+              </a:ext>
+            </a:extLst>
+          </p:cNvPr>
+          <p:cNvSpPr/>
+          <p:nvPr/>
+        </p:nvSpPr>
+        <p:spPr>
+          <a:xfrm>
+            <a:off x="5176434" y="5470902"/>
+            <a:ext cx="1518834" cy="387457"/>
+          </a:xfrm>
+          <a:prstGeom prst="rightArrow">
+            <a:avLst/>
+          </a:prstGeom>
+          <a:solidFill>
+            <a:schemeClr val="accent2"/>
+          </a:solidFill>
+          <a:ln>
+            <a:noFill/>
+          </a:ln>
+        </p:spPr>
+        <p:style>
+          <a:lnRef idx="2">
+            <a:schemeClr val="accent1">
+              <a:shade val="50000"/>
+            </a:schemeClr>
+          </a:lnRef>
+          <a:fillRef idx="1">
+            <a:schemeClr val="accent1"/>
+          </a:fillRef>
+          <a:effectRef idx="0">
+            <a:schemeClr val="accent1"/>
+          </a:effectRef>
+          <a:fontRef idx="minor">
+            <a:schemeClr val="lt1"/>
+          </a:fontRef>
+        </p:style>
+        <p:txBody>
+          <a:bodyPr rtlCol="0" anchor="ctr"/>
+          <a:lstStyle/>
+          <a:p>
+            <a:pPr algn="ctr"/>
             <a:endParaRPr lang="en-US"/>
           </a:p>
         </p:txBody>
@@ -4184,6 +5088,1202 @@
     <p:extLst>
       <p:ext uri="{BB962C8B-B14F-4D97-AF65-F5344CB8AC3E}">
         <p14:creationId xmlns:p14="http://schemas.microsoft.com/office/powerpoint/2010/main" val="357383597"/>
+      </p:ext>
+    </p:extLst>
+  </p:cSld>
+  <p:clrMapOvr>
+    <a:masterClrMapping/>
+  </p:clrMapOvr>
+</p:sld>
+</file>
+
+<file path=ppt/slides/slide4.xml><?xml version="1.0" encoding="utf-8"?>
+<p:sld xmlns:a="http://schemas.openxmlformats.org/drawingml/2006/main" xmlns:r="http://schemas.openxmlformats.org/officeDocument/2006/relationships" xmlns:p="http://schemas.openxmlformats.org/presentationml/2006/main">
+  <p:cSld>
+    <p:spTree>
+      <p:nvGrpSpPr>
+        <p:cNvPr id="1" name=""/>
+        <p:cNvGrpSpPr/>
+        <p:nvPr/>
+      </p:nvGrpSpPr>
+      <p:grpSpPr>
+        <a:xfrm>
+          <a:off x="0" y="0"/>
+          <a:ext cx="0" cy="0"/>
+          <a:chOff x="0" y="0"/>
+          <a:chExt cx="0" cy="0"/>
+        </a:xfrm>
+      </p:grpSpPr>
+      <p:sp>
+        <p:nvSpPr>
+          <p:cNvPr id="2" name="Title 1">
+            <a:extLst>
+              <a:ext uri="{FF2B5EF4-FFF2-40B4-BE49-F238E27FC236}">
+                <a16:creationId xmlns:a16="http://schemas.microsoft.com/office/drawing/2014/main" id="{6CCF4DE6-74E2-FA4A-8F98-4FACA6F0A9D5}"/>
+              </a:ext>
+            </a:extLst>
+          </p:cNvPr>
+          <p:cNvSpPr>
+            <a:spLocks noGrp="1"/>
+          </p:cNvSpPr>
+          <p:nvPr>
+            <p:ph type="title"/>
+          </p:nvPr>
+        </p:nvSpPr>
+        <p:spPr/>
+        <p:txBody>
+          <a:bodyPr/>
+          <a:lstStyle/>
+          <a:p>
+            <a:r>
+              <a:rPr lang="en-US" dirty="0"/>
+              <a:t>Search Contact</a:t>
+            </a:r>
+          </a:p>
+        </p:txBody>
+      </p:sp>
+      <p:pic>
+        <p:nvPicPr>
+          <p:cNvPr id="5" name="Picture 4">
+            <a:extLst>
+              <a:ext uri="{FF2B5EF4-FFF2-40B4-BE49-F238E27FC236}">
+                <a16:creationId xmlns:a16="http://schemas.microsoft.com/office/drawing/2014/main" id="{0AEDFDF5-9F3C-274F-89CF-8F20C8E49460}"/>
+              </a:ext>
+            </a:extLst>
+          </p:cNvPr>
+          <p:cNvPicPr>
+            <a:picLocks noChangeAspect="1"/>
+          </p:cNvPicPr>
+          <p:nvPr/>
+        </p:nvPicPr>
+        <p:blipFill>
+          <a:blip r:embed="rId2"/>
+          <a:stretch>
+            <a:fillRect/>
+          </a:stretch>
+        </p:blipFill>
+        <p:spPr>
+          <a:xfrm>
+            <a:off x="838200" y="1690688"/>
+            <a:ext cx="2669492" cy="4831450"/>
+          </a:xfrm>
+          <a:prstGeom prst="rect">
+            <a:avLst/>
+          </a:prstGeom>
+        </p:spPr>
+      </p:pic>
+      <p:pic>
+        <p:nvPicPr>
+          <p:cNvPr id="4" name="Picture 3">
+            <a:extLst>
+              <a:ext uri="{FF2B5EF4-FFF2-40B4-BE49-F238E27FC236}">
+                <a16:creationId xmlns:a16="http://schemas.microsoft.com/office/drawing/2014/main" id="{C946B0BB-D09F-394F-BDAB-B63662C1BF1F}"/>
+              </a:ext>
+            </a:extLst>
+          </p:cNvPr>
+          <p:cNvPicPr>
+            <a:picLocks noChangeAspect="1"/>
+          </p:cNvPicPr>
+          <p:nvPr/>
+        </p:nvPicPr>
+        <p:blipFill>
+          <a:blip r:embed="rId3"/>
+          <a:stretch>
+            <a:fillRect/>
+          </a:stretch>
+        </p:blipFill>
+        <p:spPr>
+          <a:xfrm>
+            <a:off x="4114955" y="3043238"/>
+            <a:ext cx="7627362" cy="1838739"/>
+          </a:xfrm>
+          <a:prstGeom prst="rect">
+            <a:avLst/>
+          </a:prstGeom>
+        </p:spPr>
+      </p:pic>
+      <p:sp>
+        <p:nvSpPr>
+          <p:cNvPr id="6" name="Frame 5">
+            <a:extLst>
+              <a:ext uri="{FF2B5EF4-FFF2-40B4-BE49-F238E27FC236}">
+                <a16:creationId xmlns:a16="http://schemas.microsoft.com/office/drawing/2014/main" id="{2E09B193-742B-C744-BC5B-1F913A7342DF}"/>
+              </a:ext>
+            </a:extLst>
+          </p:cNvPr>
+          <p:cNvSpPr/>
+          <p:nvPr/>
+        </p:nvSpPr>
+        <p:spPr>
+          <a:xfrm>
+            <a:off x="3989439" y="3387828"/>
+            <a:ext cx="7364361" cy="265471"/>
+          </a:xfrm>
+          <a:prstGeom prst="frame">
+            <a:avLst/>
+          </a:prstGeom>
+          <a:solidFill>
+            <a:schemeClr val="accent2"/>
+          </a:solidFill>
+          <a:ln>
+            <a:noFill/>
+          </a:ln>
+        </p:spPr>
+        <p:style>
+          <a:lnRef idx="2">
+            <a:schemeClr val="accent1">
+              <a:shade val="50000"/>
+            </a:schemeClr>
+          </a:lnRef>
+          <a:fillRef idx="1">
+            <a:schemeClr val="accent1"/>
+          </a:fillRef>
+          <a:effectRef idx="0">
+            <a:schemeClr val="accent1"/>
+          </a:effectRef>
+          <a:fontRef idx="minor">
+            <a:schemeClr val="lt1"/>
+          </a:fontRef>
+        </p:style>
+        <p:txBody>
+          <a:bodyPr rtlCol="0" anchor="ctr"/>
+          <a:lstStyle/>
+          <a:p>
+            <a:pPr algn="ctr"/>
+            <a:endParaRPr lang="en-US">
+              <a:solidFill>
+                <a:schemeClr val="tx1"/>
+              </a:solidFill>
+            </a:endParaRPr>
+          </a:p>
+        </p:txBody>
+      </p:sp>
+      <p:sp>
+        <p:nvSpPr>
+          <p:cNvPr id="10" name="TextBox 9">
+            <a:extLst>
+              <a:ext uri="{FF2B5EF4-FFF2-40B4-BE49-F238E27FC236}">
+                <a16:creationId xmlns:a16="http://schemas.microsoft.com/office/drawing/2014/main" id="{88EBB9D8-DD5D-0E4E-82D6-AA0D38F8681B}"/>
+              </a:ext>
+            </a:extLst>
+          </p:cNvPr>
+          <p:cNvSpPr txBox="1"/>
+          <p:nvPr/>
+        </p:nvSpPr>
+        <p:spPr>
+          <a:xfrm>
+            <a:off x="4114955" y="2581573"/>
+            <a:ext cx="1807867" cy="461665"/>
+          </a:xfrm>
+          <a:prstGeom prst="rect">
+            <a:avLst/>
+          </a:prstGeom>
+          <a:noFill/>
+        </p:spPr>
+        <p:txBody>
+          <a:bodyPr wrap="none" rtlCol="0">
+            <a:spAutoFit/>
+          </a:bodyPr>
+          <a:lstStyle/>
+          <a:p>
+            <a:r>
+              <a:rPr lang="en-US" sz="2400" b="1" dirty="0"/>
+              <a:t>contact.html</a:t>
+            </a:r>
+          </a:p>
+        </p:txBody>
+      </p:sp>
+    </p:spTree>
+    <p:extLst>
+      <p:ext uri="{BB962C8B-B14F-4D97-AF65-F5344CB8AC3E}">
+        <p14:creationId xmlns:p14="http://schemas.microsoft.com/office/powerpoint/2010/main" val="3592138270"/>
+      </p:ext>
+    </p:extLst>
+  </p:cSld>
+  <p:clrMapOvr>
+    <a:masterClrMapping/>
+  </p:clrMapOvr>
+</p:sld>
+</file>
+
+<file path=ppt/slides/slide5.xml><?xml version="1.0" encoding="utf-8"?>
+<p:sld xmlns:a="http://schemas.openxmlformats.org/drawingml/2006/main" xmlns:r="http://schemas.openxmlformats.org/officeDocument/2006/relationships" xmlns:p="http://schemas.openxmlformats.org/presentationml/2006/main">
+  <p:cSld>
+    <p:spTree>
+      <p:nvGrpSpPr>
+        <p:cNvPr id="1" name=""/>
+        <p:cNvGrpSpPr/>
+        <p:nvPr/>
+      </p:nvGrpSpPr>
+      <p:grpSpPr>
+        <a:xfrm>
+          <a:off x="0" y="0"/>
+          <a:ext cx="0" cy="0"/>
+          <a:chOff x="0" y="0"/>
+          <a:chExt cx="0" cy="0"/>
+        </a:xfrm>
+      </p:grpSpPr>
+      <p:sp>
+        <p:nvSpPr>
+          <p:cNvPr id="2" name="Title 1">
+            <a:extLst>
+              <a:ext uri="{FF2B5EF4-FFF2-40B4-BE49-F238E27FC236}">
+                <a16:creationId xmlns:a16="http://schemas.microsoft.com/office/drawing/2014/main" id="{6CCF4DE6-74E2-FA4A-8F98-4FACA6F0A9D5}"/>
+              </a:ext>
+            </a:extLst>
+          </p:cNvPr>
+          <p:cNvSpPr>
+            <a:spLocks noGrp="1"/>
+          </p:cNvSpPr>
+          <p:nvPr>
+            <p:ph type="title"/>
+          </p:nvPr>
+        </p:nvSpPr>
+        <p:spPr/>
+        <p:txBody>
+          <a:bodyPr/>
+          <a:lstStyle/>
+          <a:p>
+            <a:r>
+              <a:rPr lang="en-US" dirty="0"/>
+              <a:t>Search Contact</a:t>
+            </a:r>
+          </a:p>
+        </p:txBody>
+      </p:sp>
+      <p:pic>
+        <p:nvPicPr>
+          <p:cNvPr id="5" name="Picture 4">
+            <a:extLst>
+              <a:ext uri="{FF2B5EF4-FFF2-40B4-BE49-F238E27FC236}">
+                <a16:creationId xmlns:a16="http://schemas.microsoft.com/office/drawing/2014/main" id="{0AEDFDF5-9F3C-274F-89CF-8F20C8E49460}"/>
+              </a:ext>
+            </a:extLst>
+          </p:cNvPr>
+          <p:cNvPicPr>
+            <a:picLocks noChangeAspect="1"/>
+          </p:cNvPicPr>
+          <p:nvPr/>
+        </p:nvPicPr>
+        <p:blipFill>
+          <a:blip r:embed="rId2"/>
+          <a:stretch>
+            <a:fillRect/>
+          </a:stretch>
+        </p:blipFill>
+        <p:spPr>
+          <a:xfrm>
+            <a:off x="838200" y="1690688"/>
+            <a:ext cx="2669492" cy="4831450"/>
+          </a:xfrm>
+          <a:prstGeom prst="rect">
+            <a:avLst/>
+          </a:prstGeom>
+        </p:spPr>
+      </p:pic>
+      <p:sp>
+        <p:nvSpPr>
+          <p:cNvPr id="8" name="TextBox 7">
+            <a:extLst>
+              <a:ext uri="{FF2B5EF4-FFF2-40B4-BE49-F238E27FC236}">
+                <a16:creationId xmlns:a16="http://schemas.microsoft.com/office/drawing/2014/main" id="{6450F755-B4B0-C142-9630-9AA287F76180}"/>
+              </a:ext>
+            </a:extLst>
+          </p:cNvPr>
+          <p:cNvSpPr txBox="1"/>
+          <p:nvPr/>
+        </p:nvSpPr>
+        <p:spPr>
+          <a:xfrm>
+            <a:off x="3893574" y="2411197"/>
+            <a:ext cx="1436162" cy="461665"/>
+          </a:xfrm>
+          <a:prstGeom prst="rect">
+            <a:avLst/>
+          </a:prstGeom>
+          <a:noFill/>
+        </p:spPr>
+        <p:txBody>
+          <a:bodyPr wrap="none" rtlCol="0">
+            <a:spAutoFit/>
+          </a:bodyPr>
+          <a:lstStyle/>
+          <a:p>
+            <a:r>
+              <a:rPr lang="en-US" sz="2400" b="1" dirty="0"/>
+              <a:t>contact.ts</a:t>
+            </a:r>
+          </a:p>
+        </p:txBody>
+      </p:sp>
+      <p:pic>
+        <p:nvPicPr>
+          <p:cNvPr id="4" name="Picture 3">
+            <a:extLst>
+              <a:ext uri="{FF2B5EF4-FFF2-40B4-BE49-F238E27FC236}">
+                <a16:creationId xmlns:a16="http://schemas.microsoft.com/office/drawing/2014/main" id="{4A9F89E2-CC46-5443-8E51-63B8D5A17779}"/>
+              </a:ext>
+            </a:extLst>
+          </p:cNvPr>
+          <p:cNvPicPr>
+            <a:picLocks noChangeAspect="1"/>
+          </p:cNvPicPr>
+          <p:nvPr/>
+        </p:nvPicPr>
+        <p:blipFill>
+          <a:blip r:embed="rId3"/>
+          <a:stretch>
+            <a:fillRect/>
+          </a:stretch>
+        </p:blipFill>
+        <p:spPr>
+          <a:xfrm>
+            <a:off x="3893574" y="2872862"/>
+            <a:ext cx="5905500" cy="2527300"/>
+          </a:xfrm>
+          <a:prstGeom prst="rect">
+            <a:avLst/>
+          </a:prstGeom>
+        </p:spPr>
+      </p:pic>
+    </p:spTree>
+    <p:extLst>
+      <p:ext uri="{BB962C8B-B14F-4D97-AF65-F5344CB8AC3E}">
+        <p14:creationId xmlns:p14="http://schemas.microsoft.com/office/powerpoint/2010/main" val="1586693943"/>
+      </p:ext>
+    </p:extLst>
+  </p:cSld>
+  <p:clrMapOvr>
+    <a:masterClrMapping/>
+  </p:clrMapOvr>
+</p:sld>
+</file>
+
+<file path=ppt/slides/slide6.xml><?xml version="1.0" encoding="utf-8"?>
+<p:sld xmlns:a="http://schemas.openxmlformats.org/drawingml/2006/main" xmlns:r="http://schemas.openxmlformats.org/officeDocument/2006/relationships" xmlns:p="http://schemas.openxmlformats.org/presentationml/2006/main">
+  <p:cSld>
+    <p:spTree>
+      <p:nvGrpSpPr>
+        <p:cNvPr id="1" name=""/>
+        <p:cNvGrpSpPr/>
+        <p:nvPr/>
+      </p:nvGrpSpPr>
+      <p:grpSpPr>
+        <a:xfrm>
+          <a:off x="0" y="0"/>
+          <a:ext cx="0" cy="0"/>
+          <a:chOff x="0" y="0"/>
+          <a:chExt cx="0" cy="0"/>
+        </a:xfrm>
+      </p:grpSpPr>
+      <p:sp>
+        <p:nvSpPr>
+          <p:cNvPr id="2" name="Title 1">
+            <a:extLst>
+              <a:ext uri="{FF2B5EF4-FFF2-40B4-BE49-F238E27FC236}">
+                <a16:creationId xmlns:a16="http://schemas.microsoft.com/office/drawing/2014/main" id="{6CCF4DE6-74E2-FA4A-8F98-4FACA6F0A9D5}"/>
+              </a:ext>
+            </a:extLst>
+          </p:cNvPr>
+          <p:cNvSpPr>
+            <a:spLocks noGrp="1"/>
+          </p:cNvSpPr>
+          <p:nvPr>
+            <p:ph type="title"/>
+          </p:nvPr>
+        </p:nvSpPr>
+        <p:spPr/>
+        <p:txBody>
+          <a:bodyPr/>
+          <a:lstStyle/>
+          <a:p>
+            <a:r>
+              <a:rPr lang="en-US" dirty="0"/>
+              <a:t>Search Contact</a:t>
+            </a:r>
+          </a:p>
+        </p:txBody>
+      </p:sp>
+      <p:pic>
+        <p:nvPicPr>
+          <p:cNvPr id="5" name="Picture 4">
+            <a:extLst>
+              <a:ext uri="{FF2B5EF4-FFF2-40B4-BE49-F238E27FC236}">
+                <a16:creationId xmlns:a16="http://schemas.microsoft.com/office/drawing/2014/main" id="{0AEDFDF5-9F3C-274F-89CF-8F20C8E49460}"/>
+              </a:ext>
+            </a:extLst>
+          </p:cNvPr>
+          <p:cNvPicPr>
+            <a:picLocks noChangeAspect="1"/>
+          </p:cNvPicPr>
+          <p:nvPr/>
+        </p:nvPicPr>
+        <p:blipFill>
+          <a:blip r:embed="rId2"/>
+          <a:stretch>
+            <a:fillRect/>
+          </a:stretch>
+        </p:blipFill>
+        <p:spPr>
+          <a:xfrm>
+            <a:off x="838200" y="1690688"/>
+            <a:ext cx="2669492" cy="4831450"/>
+          </a:xfrm>
+          <a:prstGeom prst="rect">
+            <a:avLst/>
+          </a:prstGeom>
+        </p:spPr>
+      </p:pic>
+      <p:pic>
+        <p:nvPicPr>
+          <p:cNvPr id="7" name="Picture 6">
+            <a:extLst>
+              <a:ext uri="{FF2B5EF4-FFF2-40B4-BE49-F238E27FC236}">
+                <a16:creationId xmlns:a16="http://schemas.microsoft.com/office/drawing/2014/main" id="{C914F05D-9096-C843-9FB5-EB6D9DE9C581}"/>
+              </a:ext>
+            </a:extLst>
+          </p:cNvPr>
+          <p:cNvPicPr>
+            <a:picLocks noChangeAspect="1"/>
+          </p:cNvPicPr>
+          <p:nvPr/>
+        </p:nvPicPr>
+        <p:blipFill>
+          <a:blip r:embed="rId3"/>
+          <a:stretch>
+            <a:fillRect/>
+          </a:stretch>
+        </p:blipFill>
+        <p:spPr>
+          <a:xfrm>
+            <a:off x="3893574" y="2872862"/>
+            <a:ext cx="8067946" cy="1756287"/>
+          </a:xfrm>
+          <a:prstGeom prst="rect">
+            <a:avLst/>
+          </a:prstGeom>
+        </p:spPr>
+      </p:pic>
+      <p:sp>
+        <p:nvSpPr>
+          <p:cNvPr id="8" name="TextBox 7">
+            <a:extLst>
+              <a:ext uri="{FF2B5EF4-FFF2-40B4-BE49-F238E27FC236}">
+                <a16:creationId xmlns:a16="http://schemas.microsoft.com/office/drawing/2014/main" id="{6450F755-B4B0-C142-9630-9AA287F76180}"/>
+              </a:ext>
+            </a:extLst>
+          </p:cNvPr>
+          <p:cNvSpPr txBox="1"/>
+          <p:nvPr/>
+        </p:nvSpPr>
+        <p:spPr>
+          <a:xfrm>
+            <a:off x="3893574" y="2411197"/>
+            <a:ext cx="1436162" cy="461665"/>
+          </a:xfrm>
+          <a:prstGeom prst="rect">
+            <a:avLst/>
+          </a:prstGeom>
+          <a:noFill/>
+        </p:spPr>
+        <p:txBody>
+          <a:bodyPr wrap="none" rtlCol="0">
+            <a:spAutoFit/>
+          </a:bodyPr>
+          <a:lstStyle/>
+          <a:p>
+            <a:r>
+              <a:rPr lang="en-US" sz="2400" b="1" dirty="0"/>
+              <a:t>contact.ts</a:t>
+            </a:r>
+          </a:p>
+        </p:txBody>
+      </p:sp>
+    </p:spTree>
+    <p:extLst>
+      <p:ext uri="{BB962C8B-B14F-4D97-AF65-F5344CB8AC3E}">
+        <p14:creationId xmlns:p14="http://schemas.microsoft.com/office/powerpoint/2010/main" val="2804349572"/>
+      </p:ext>
+    </p:extLst>
+  </p:cSld>
+  <p:clrMapOvr>
+    <a:masterClrMapping/>
+  </p:clrMapOvr>
+</p:sld>
+</file>
+
+<file path=ppt/slides/slide7.xml><?xml version="1.0" encoding="utf-8"?>
+<p:sld xmlns:a="http://schemas.openxmlformats.org/drawingml/2006/main" xmlns:r="http://schemas.openxmlformats.org/officeDocument/2006/relationships" xmlns:p="http://schemas.openxmlformats.org/presentationml/2006/main">
+  <p:cSld>
+    <p:spTree>
+      <p:nvGrpSpPr>
+        <p:cNvPr id="1" name=""/>
+        <p:cNvGrpSpPr/>
+        <p:nvPr/>
+      </p:nvGrpSpPr>
+      <p:grpSpPr>
+        <a:xfrm>
+          <a:off x="0" y="0"/>
+          <a:ext cx="0" cy="0"/>
+          <a:chOff x="0" y="0"/>
+          <a:chExt cx="0" cy="0"/>
+        </a:xfrm>
+      </p:grpSpPr>
+      <p:sp>
+        <p:nvSpPr>
+          <p:cNvPr id="2" name="Title 1">
+            <a:extLst>
+              <a:ext uri="{FF2B5EF4-FFF2-40B4-BE49-F238E27FC236}">
+                <a16:creationId xmlns:a16="http://schemas.microsoft.com/office/drawing/2014/main" id="{6CCF4DE6-74E2-FA4A-8F98-4FACA6F0A9D5}"/>
+              </a:ext>
+            </a:extLst>
+          </p:cNvPr>
+          <p:cNvSpPr>
+            <a:spLocks noGrp="1"/>
+          </p:cNvSpPr>
+          <p:nvPr>
+            <p:ph type="title"/>
+          </p:nvPr>
+        </p:nvSpPr>
+        <p:spPr/>
+        <p:txBody>
+          <a:bodyPr/>
+          <a:lstStyle/>
+          <a:p>
+            <a:r>
+              <a:rPr lang="en-US" dirty="0">
+                <a:latin typeface="Helvetica Neue" panose="02000503000000020004" pitchFamily="2" charset="0"/>
+                <a:ea typeface="Helvetica Neue" panose="02000503000000020004" pitchFamily="2" charset="0"/>
+                <a:cs typeface="Helvetica Neue" panose="02000503000000020004" pitchFamily="2" charset="0"/>
+              </a:rPr>
+              <a:t>Filter by Gender (new API)</a:t>
+            </a:r>
+            <a:endParaRPr lang="en-US" dirty="0"/>
+          </a:p>
+        </p:txBody>
+      </p:sp>
+      <p:pic>
+        <p:nvPicPr>
+          <p:cNvPr id="4" name="Picture 3">
+            <a:extLst>
+              <a:ext uri="{FF2B5EF4-FFF2-40B4-BE49-F238E27FC236}">
+                <a16:creationId xmlns:a16="http://schemas.microsoft.com/office/drawing/2014/main" id="{8CFAAD44-3540-5A47-A448-665A7F2004AD}"/>
+              </a:ext>
+            </a:extLst>
+          </p:cNvPr>
+          <p:cNvPicPr>
+            <a:picLocks noChangeAspect="1"/>
+          </p:cNvPicPr>
+          <p:nvPr/>
+        </p:nvPicPr>
+        <p:blipFill>
+          <a:blip r:embed="rId2"/>
+          <a:stretch>
+            <a:fillRect/>
+          </a:stretch>
+        </p:blipFill>
+        <p:spPr>
+          <a:xfrm>
+            <a:off x="3744748" y="2872862"/>
+            <a:ext cx="7950200" cy="3416300"/>
+          </a:xfrm>
+          <a:prstGeom prst="rect">
+            <a:avLst/>
+          </a:prstGeom>
+        </p:spPr>
+      </p:pic>
+      <p:pic>
+        <p:nvPicPr>
+          <p:cNvPr id="9" name="Picture 8">
+            <a:extLst>
+              <a:ext uri="{FF2B5EF4-FFF2-40B4-BE49-F238E27FC236}">
+                <a16:creationId xmlns:a16="http://schemas.microsoft.com/office/drawing/2014/main" id="{0C9E95FD-B9D3-394B-8080-819A4350D300}"/>
+              </a:ext>
+            </a:extLst>
+          </p:cNvPr>
+          <p:cNvPicPr>
+            <a:picLocks noChangeAspect="1"/>
+          </p:cNvPicPr>
+          <p:nvPr/>
+        </p:nvPicPr>
+        <p:blipFill>
+          <a:blip r:embed="rId3"/>
+          <a:stretch>
+            <a:fillRect/>
+          </a:stretch>
+        </p:blipFill>
+        <p:spPr>
+          <a:xfrm>
+            <a:off x="419100" y="1534645"/>
+            <a:ext cx="2818463" cy="5056655"/>
+          </a:xfrm>
+          <a:prstGeom prst="rect">
+            <a:avLst/>
+          </a:prstGeom>
+        </p:spPr>
+      </p:pic>
+      <p:sp>
+        <p:nvSpPr>
+          <p:cNvPr id="10" name="Frame 9">
+            <a:extLst>
+              <a:ext uri="{FF2B5EF4-FFF2-40B4-BE49-F238E27FC236}">
+                <a16:creationId xmlns:a16="http://schemas.microsoft.com/office/drawing/2014/main" id="{595531A4-DAD2-7E47-93F4-6489BA77FC4C}"/>
+              </a:ext>
+            </a:extLst>
+          </p:cNvPr>
+          <p:cNvSpPr/>
+          <p:nvPr/>
+        </p:nvSpPr>
+        <p:spPr>
+          <a:xfrm>
+            <a:off x="2710832" y="1990640"/>
+            <a:ext cx="526731" cy="473159"/>
+          </a:xfrm>
+          <a:prstGeom prst="frame">
+            <a:avLst/>
+          </a:prstGeom>
+          <a:solidFill>
+            <a:schemeClr val="accent2"/>
+          </a:solidFill>
+          <a:ln>
+            <a:noFill/>
+          </a:ln>
+        </p:spPr>
+        <p:style>
+          <a:lnRef idx="2">
+            <a:schemeClr val="accent1">
+              <a:shade val="50000"/>
+            </a:schemeClr>
+          </a:lnRef>
+          <a:fillRef idx="1">
+            <a:schemeClr val="accent1"/>
+          </a:fillRef>
+          <a:effectRef idx="0">
+            <a:schemeClr val="accent1"/>
+          </a:effectRef>
+          <a:fontRef idx="minor">
+            <a:schemeClr val="lt1"/>
+          </a:fontRef>
+        </p:style>
+        <p:txBody>
+          <a:bodyPr rtlCol="0" anchor="ctr"/>
+          <a:lstStyle/>
+          <a:p>
+            <a:pPr algn="ctr"/>
+            <a:endParaRPr lang="en-US">
+              <a:solidFill>
+                <a:schemeClr val="tx1"/>
+              </a:solidFill>
+            </a:endParaRPr>
+          </a:p>
+        </p:txBody>
+      </p:sp>
+      <p:sp>
+        <p:nvSpPr>
+          <p:cNvPr id="11" name="TextBox 10">
+            <a:extLst>
+              <a:ext uri="{FF2B5EF4-FFF2-40B4-BE49-F238E27FC236}">
+                <a16:creationId xmlns:a16="http://schemas.microsoft.com/office/drawing/2014/main" id="{08161ADD-5A33-2A4F-9204-A22073D666E3}"/>
+              </a:ext>
+            </a:extLst>
+          </p:cNvPr>
+          <p:cNvSpPr txBox="1"/>
+          <p:nvPr/>
+        </p:nvSpPr>
+        <p:spPr>
+          <a:xfrm>
+            <a:off x="3744748" y="2411197"/>
+            <a:ext cx="1807867" cy="461665"/>
+          </a:xfrm>
+          <a:prstGeom prst="rect">
+            <a:avLst/>
+          </a:prstGeom>
+          <a:noFill/>
+        </p:spPr>
+        <p:txBody>
+          <a:bodyPr wrap="none" rtlCol="0">
+            <a:spAutoFit/>
+          </a:bodyPr>
+          <a:lstStyle/>
+          <a:p>
+            <a:r>
+              <a:rPr lang="en-US" sz="2400" b="1" dirty="0"/>
+              <a:t>contact.html</a:t>
+            </a:r>
+          </a:p>
+        </p:txBody>
+      </p:sp>
+    </p:spTree>
+    <p:extLst>
+      <p:ext uri="{BB962C8B-B14F-4D97-AF65-F5344CB8AC3E}">
+        <p14:creationId xmlns:p14="http://schemas.microsoft.com/office/powerpoint/2010/main" val="314326970"/>
+      </p:ext>
+    </p:extLst>
+  </p:cSld>
+  <p:clrMapOvr>
+    <a:masterClrMapping/>
+  </p:clrMapOvr>
+</p:sld>
+</file>
+
+<file path=ppt/slides/slide8.xml><?xml version="1.0" encoding="utf-8"?>
+<p:sld xmlns:a="http://schemas.openxmlformats.org/drawingml/2006/main" xmlns:r="http://schemas.openxmlformats.org/officeDocument/2006/relationships" xmlns:p="http://schemas.openxmlformats.org/presentationml/2006/main">
+  <p:cSld>
+    <p:spTree>
+      <p:nvGrpSpPr>
+        <p:cNvPr id="1" name=""/>
+        <p:cNvGrpSpPr/>
+        <p:nvPr/>
+      </p:nvGrpSpPr>
+      <p:grpSpPr>
+        <a:xfrm>
+          <a:off x="0" y="0"/>
+          <a:ext cx="0" cy="0"/>
+          <a:chOff x="0" y="0"/>
+          <a:chExt cx="0" cy="0"/>
+        </a:xfrm>
+      </p:grpSpPr>
+      <p:sp>
+        <p:nvSpPr>
+          <p:cNvPr id="2" name="Title 1">
+            <a:extLst>
+              <a:ext uri="{FF2B5EF4-FFF2-40B4-BE49-F238E27FC236}">
+                <a16:creationId xmlns:a16="http://schemas.microsoft.com/office/drawing/2014/main" id="{6CCF4DE6-74E2-FA4A-8F98-4FACA6F0A9D5}"/>
+              </a:ext>
+            </a:extLst>
+          </p:cNvPr>
+          <p:cNvSpPr>
+            <a:spLocks noGrp="1"/>
+          </p:cNvSpPr>
+          <p:nvPr>
+            <p:ph type="title"/>
+          </p:nvPr>
+        </p:nvSpPr>
+        <p:spPr/>
+        <p:txBody>
+          <a:bodyPr/>
+          <a:lstStyle/>
+          <a:p>
+            <a:r>
+              <a:rPr lang="en-US" dirty="0">
+                <a:latin typeface="Helvetica Neue" panose="02000503000000020004" pitchFamily="2" charset="0"/>
+                <a:ea typeface="Helvetica Neue" panose="02000503000000020004" pitchFamily="2" charset="0"/>
+                <a:cs typeface="Helvetica Neue" panose="02000503000000020004" pitchFamily="2" charset="0"/>
+              </a:rPr>
+              <a:t>Filter by Gender (new API)</a:t>
+            </a:r>
+            <a:endParaRPr lang="en-US" dirty="0"/>
+          </a:p>
+        </p:txBody>
+      </p:sp>
+      <p:pic>
+        <p:nvPicPr>
+          <p:cNvPr id="4" name="Picture 3">
+            <a:extLst>
+              <a:ext uri="{FF2B5EF4-FFF2-40B4-BE49-F238E27FC236}">
+                <a16:creationId xmlns:a16="http://schemas.microsoft.com/office/drawing/2014/main" id="{8CFAAD44-3540-5A47-A448-665A7F2004AD}"/>
+              </a:ext>
+            </a:extLst>
+          </p:cNvPr>
+          <p:cNvPicPr>
+            <a:picLocks noChangeAspect="1"/>
+          </p:cNvPicPr>
+          <p:nvPr/>
+        </p:nvPicPr>
+        <p:blipFill>
+          <a:blip r:embed="rId2"/>
+          <a:stretch>
+            <a:fillRect/>
+          </a:stretch>
+        </p:blipFill>
+        <p:spPr>
+          <a:xfrm>
+            <a:off x="3744748" y="2872862"/>
+            <a:ext cx="7950200" cy="3416300"/>
+          </a:xfrm>
+          <a:prstGeom prst="rect">
+            <a:avLst/>
+          </a:prstGeom>
+        </p:spPr>
+      </p:pic>
+      <p:pic>
+        <p:nvPicPr>
+          <p:cNvPr id="9" name="Picture 8">
+            <a:extLst>
+              <a:ext uri="{FF2B5EF4-FFF2-40B4-BE49-F238E27FC236}">
+                <a16:creationId xmlns:a16="http://schemas.microsoft.com/office/drawing/2014/main" id="{0C9E95FD-B9D3-394B-8080-819A4350D300}"/>
+              </a:ext>
+            </a:extLst>
+          </p:cNvPr>
+          <p:cNvPicPr>
+            <a:picLocks noChangeAspect="1"/>
+          </p:cNvPicPr>
+          <p:nvPr/>
+        </p:nvPicPr>
+        <p:blipFill>
+          <a:blip r:embed="rId3"/>
+          <a:stretch>
+            <a:fillRect/>
+          </a:stretch>
+        </p:blipFill>
+        <p:spPr>
+          <a:xfrm>
+            <a:off x="419100" y="1534645"/>
+            <a:ext cx="2818463" cy="5056655"/>
+          </a:xfrm>
+          <a:prstGeom prst="rect">
+            <a:avLst/>
+          </a:prstGeom>
+        </p:spPr>
+      </p:pic>
+      <p:sp>
+        <p:nvSpPr>
+          <p:cNvPr id="10" name="Frame 9">
+            <a:extLst>
+              <a:ext uri="{FF2B5EF4-FFF2-40B4-BE49-F238E27FC236}">
+                <a16:creationId xmlns:a16="http://schemas.microsoft.com/office/drawing/2014/main" id="{595531A4-DAD2-7E47-93F4-6489BA77FC4C}"/>
+              </a:ext>
+            </a:extLst>
+          </p:cNvPr>
+          <p:cNvSpPr/>
+          <p:nvPr/>
+        </p:nvSpPr>
+        <p:spPr>
+          <a:xfrm>
+            <a:off x="2710832" y="1990640"/>
+            <a:ext cx="526731" cy="473159"/>
+          </a:xfrm>
+          <a:prstGeom prst="frame">
+            <a:avLst/>
+          </a:prstGeom>
+          <a:solidFill>
+            <a:schemeClr val="accent2"/>
+          </a:solidFill>
+          <a:ln>
+            <a:noFill/>
+          </a:ln>
+        </p:spPr>
+        <p:style>
+          <a:lnRef idx="2">
+            <a:schemeClr val="accent1">
+              <a:shade val="50000"/>
+            </a:schemeClr>
+          </a:lnRef>
+          <a:fillRef idx="1">
+            <a:schemeClr val="accent1"/>
+          </a:fillRef>
+          <a:effectRef idx="0">
+            <a:schemeClr val="accent1"/>
+          </a:effectRef>
+          <a:fontRef idx="minor">
+            <a:schemeClr val="lt1"/>
+          </a:fontRef>
+        </p:style>
+        <p:txBody>
+          <a:bodyPr rtlCol="0" anchor="ctr"/>
+          <a:lstStyle/>
+          <a:p>
+            <a:pPr algn="ctr"/>
+            <a:endParaRPr lang="en-US">
+              <a:solidFill>
+                <a:schemeClr val="tx1"/>
+              </a:solidFill>
+            </a:endParaRPr>
+          </a:p>
+        </p:txBody>
+      </p:sp>
+      <p:sp>
+        <p:nvSpPr>
+          <p:cNvPr id="11" name="TextBox 10">
+            <a:extLst>
+              <a:ext uri="{FF2B5EF4-FFF2-40B4-BE49-F238E27FC236}">
+                <a16:creationId xmlns:a16="http://schemas.microsoft.com/office/drawing/2014/main" id="{08161ADD-5A33-2A4F-9204-A22073D666E3}"/>
+              </a:ext>
+            </a:extLst>
+          </p:cNvPr>
+          <p:cNvSpPr txBox="1"/>
+          <p:nvPr/>
+        </p:nvSpPr>
+        <p:spPr>
+          <a:xfrm>
+            <a:off x="3744748" y="2411197"/>
+            <a:ext cx="1807867" cy="461665"/>
+          </a:xfrm>
+          <a:prstGeom prst="rect">
+            <a:avLst/>
+          </a:prstGeom>
+          <a:noFill/>
+        </p:spPr>
+        <p:txBody>
+          <a:bodyPr wrap="none" rtlCol="0">
+            <a:spAutoFit/>
+          </a:bodyPr>
+          <a:lstStyle/>
+          <a:p>
+            <a:r>
+              <a:rPr lang="en-US" sz="2400" b="1" dirty="0"/>
+              <a:t>contact.html</a:t>
+            </a:r>
+          </a:p>
+        </p:txBody>
+      </p:sp>
+    </p:spTree>
+    <p:extLst>
+      <p:ext uri="{BB962C8B-B14F-4D97-AF65-F5344CB8AC3E}">
+        <p14:creationId xmlns:p14="http://schemas.microsoft.com/office/powerpoint/2010/main" val="1270660"/>
+      </p:ext>
+    </p:extLst>
+  </p:cSld>
+  <p:clrMapOvr>
+    <a:masterClrMapping/>
+  </p:clrMapOvr>
+</p:sld>
+</file>
+
+<file path=ppt/slides/slide9.xml><?xml version="1.0" encoding="utf-8"?>
+<p:sld xmlns:a="http://schemas.openxmlformats.org/drawingml/2006/main" xmlns:r="http://schemas.openxmlformats.org/officeDocument/2006/relationships" xmlns:p="http://schemas.openxmlformats.org/presentationml/2006/main">
+  <p:cSld>
+    <p:spTree>
+      <p:nvGrpSpPr>
+        <p:cNvPr id="1" name=""/>
+        <p:cNvGrpSpPr/>
+        <p:nvPr/>
+      </p:nvGrpSpPr>
+      <p:grpSpPr>
+        <a:xfrm>
+          <a:off x="0" y="0"/>
+          <a:ext cx="0" cy="0"/>
+          <a:chOff x="0" y="0"/>
+          <a:chExt cx="0" cy="0"/>
+        </a:xfrm>
+      </p:grpSpPr>
+      <p:sp>
+        <p:nvSpPr>
+          <p:cNvPr id="2" name="Title 1">
+            <a:extLst>
+              <a:ext uri="{FF2B5EF4-FFF2-40B4-BE49-F238E27FC236}">
+                <a16:creationId xmlns:a16="http://schemas.microsoft.com/office/drawing/2014/main" id="{6CCF4DE6-74E2-FA4A-8F98-4FACA6F0A9D5}"/>
+              </a:ext>
+            </a:extLst>
+          </p:cNvPr>
+          <p:cNvSpPr>
+            <a:spLocks noGrp="1"/>
+          </p:cNvSpPr>
+          <p:nvPr>
+            <p:ph type="title"/>
+          </p:nvPr>
+        </p:nvSpPr>
+        <p:spPr/>
+        <p:txBody>
+          <a:bodyPr/>
+          <a:lstStyle/>
+          <a:p>
+            <a:r>
+              <a:rPr lang="en-US" dirty="0">
+                <a:latin typeface="Helvetica Neue" panose="02000503000000020004" pitchFamily="2" charset="0"/>
+                <a:ea typeface="Helvetica Neue" panose="02000503000000020004" pitchFamily="2" charset="0"/>
+                <a:cs typeface="Helvetica Neue" panose="02000503000000020004" pitchFamily="2" charset="0"/>
+              </a:rPr>
+              <a:t>Filter by Gender (new API)</a:t>
+            </a:r>
+            <a:endParaRPr lang="en-US" dirty="0"/>
+          </a:p>
+        </p:txBody>
+      </p:sp>
+      <p:sp>
+        <p:nvSpPr>
+          <p:cNvPr id="10" name="Frame 9">
+            <a:extLst>
+              <a:ext uri="{FF2B5EF4-FFF2-40B4-BE49-F238E27FC236}">
+                <a16:creationId xmlns:a16="http://schemas.microsoft.com/office/drawing/2014/main" id="{595531A4-DAD2-7E47-93F4-6489BA77FC4C}"/>
+              </a:ext>
+            </a:extLst>
+          </p:cNvPr>
+          <p:cNvSpPr/>
+          <p:nvPr/>
+        </p:nvSpPr>
+        <p:spPr>
+          <a:xfrm>
+            <a:off x="2710832" y="1990640"/>
+            <a:ext cx="526731" cy="473159"/>
+          </a:xfrm>
+          <a:prstGeom prst="frame">
+            <a:avLst/>
+          </a:prstGeom>
+          <a:solidFill>
+            <a:schemeClr val="accent2"/>
+          </a:solidFill>
+          <a:ln>
+            <a:noFill/>
+          </a:ln>
+        </p:spPr>
+        <p:style>
+          <a:lnRef idx="2">
+            <a:schemeClr val="accent1">
+              <a:shade val="50000"/>
+            </a:schemeClr>
+          </a:lnRef>
+          <a:fillRef idx="1">
+            <a:schemeClr val="accent1"/>
+          </a:fillRef>
+          <a:effectRef idx="0">
+            <a:schemeClr val="accent1"/>
+          </a:effectRef>
+          <a:fontRef idx="minor">
+            <a:schemeClr val="lt1"/>
+          </a:fontRef>
+        </p:style>
+        <p:txBody>
+          <a:bodyPr rtlCol="0" anchor="ctr"/>
+          <a:lstStyle/>
+          <a:p>
+            <a:pPr algn="ctr"/>
+            <a:endParaRPr lang="en-US">
+              <a:solidFill>
+                <a:schemeClr val="tx1"/>
+              </a:solidFill>
+            </a:endParaRPr>
+          </a:p>
+        </p:txBody>
+      </p:sp>
+      <p:sp>
+        <p:nvSpPr>
+          <p:cNvPr id="11" name="TextBox 10">
+            <a:extLst>
+              <a:ext uri="{FF2B5EF4-FFF2-40B4-BE49-F238E27FC236}">
+                <a16:creationId xmlns:a16="http://schemas.microsoft.com/office/drawing/2014/main" id="{08161ADD-5A33-2A4F-9204-A22073D666E3}"/>
+              </a:ext>
+            </a:extLst>
+          </p:cNvPr>
+          <p:cNvSpPr txBox="1"/>
+          <p:nvPr/>
+        </p:nvSpPr>
+        <p:spPr>
+          <a:xfrm>
+            <a:off x="3404574" y="3160766"/>
+            <a:ext cx="1436162" cy="461665"/>
+          </a:xfrm>
+          <a:prstGeom prst="rect">
+            <a:avLst/>
+          </a:prstGeom>
+          <a:noFill/>
+        </p:spPr>
+        <p:txBody>
+          <a:bodyPr wrap="none" rtlCol="0">
+            <a:spAutoFit/>
+          </a:bodyPr>
+          <a:lstStyle/>
+          <a:p>
+            <a:r>
+              <a:rPr lang="en-US" sz="2400" b="1" dirty="0"/>
+              <a:t>contact.ts</a:t>
+            </a:r>
+          </a:p>
+        </p:txBody>
+      </p:sp>
+      <p:pic>
+        <p:nvPicPr>
+          <p:cNvPr id="5" name="Picture 4">
+            <a:extLst>
+              <a:ext uri="{FF2B5EF4-FFF2-40B4-BE49-F238E27FC236}">
+                <a16:creationId xmlns:a16="http://schemas.microsoft.com/office/drawing/2014/main" id="{DA7EB665-D654-6046-87EB-5286E224910B}"/>
+              </a:ext>
+            </a:extLst>
+          </p:cNvPr>
+          <p:cNvPicPr>
+            <a:picLocks noChangeAspect="1"/>
+          </p:cNvPicPr>
+          <p:nvPr/>
+        </p:nvPicPr>
+        <p:blipFill>
+          <a:blip r:embed="rId2"/>
+          <a:stretch>
+            <a:fillRect/>
+          </a:stretch>
+        </p:blipFill>
+        <p:spPr>
+          <a:xfrm>
+            <a:off x="557875" y="1649492"/>
+            <a:ext cx="2777465" cy="4994031"/>
+          </a:xfrm>
+          <a:prstGeom prst="rect">
+            <a:avLst/>
+          </a:prstGeom>
+        </p:spPr>
+      </p:pic>
+      <p:pic>
+        <p:nvPicPr>
+          <p:cNvPr id="7" name="Picture 6">
+            <a:extLst>
+              <a:ext uri="{FF2B5EF4-FFF2-40B4-BE49-F238E27FC236}">
+                <a16:creationId xmlns:a16="http://schemas.microsoft.com/office/drawing/2014/main" id="{826FC774-8A51-5044-9107-358018CF485D}"/>
+              </a:ext>
+            </a:extLst>
+          </p:cNvPr>
+          <p:cNvPicPr>
+            <a:picLocks noChangeAspect="1"/>
+          </p:cNvPicPr>
+          <p:nvPr/>
+        </p:nvPicPr>
+        <p:blipFill>
+          <a:blip r:embed="rId3"/>
+          <a:stretch>
+            <a:fillRect/>
+          </a:stretch>
+        </p:blipFill>
+        <p:spPr>
+          <a:xfrm>
+            <a:off x="5488297" y="1768276"/>
+            <a:ext cx="4446954" cy="4875247"/>
+          </a:xfrm>
+          <a:prstGeom prst="rect">
+            <a:avLst/>
+          </a:prstGeom>
+        </p:spPr>
+      </p:pic>
+      <p:cxnSp>
+        <p:nvCxnSpPr>
+          <p:cNvPr id="12" name="Straight Arrow Connector 11">
+            <a:extLst>
+              <a:ext uri="{FF2B5EF4-FFF2-40B4-BE49-F238E27FC236}">
+                <a16:creationId xmlns:a16="http://schemas.microsoft.com/office/drawing/2014/main" id="{589CCE88-5157-5E48-BDFE-7C4B9764A83C}"/>
+              </a:ext>
+            </a:extLst>
+          </p:cNvPr>
+          <p:cNvCxnSpPr/>
+          <p:nvPr/>
+        </p:nvCxnSpPr>
+        <p:spPr>
+          <a:xfrm>
+            <a:off x="3335340" y="3622431"/>
+            <a:ext cx="2152957" cy="0"/>
+          </a:xfrm>
+          <a:prstGeom prst="straightConnector1">
+            <a:avLst/>
+          </a:prstGeom>
+          <a:ln>
+            <a:tailEnd type="triangle"/>
+          </a:ln>
+        </p:spPr>
+        <p:style>
+          <a:lnRef idx="1">
+            <a:schemeClr val="accent1"/>
+          </a:lnRef>
+          <a:fillRef idx="0">
+            <a:schemeClr val="accent1"/>
+          </a:fillRef>
+          <a:effectRef idx="0">
+            <a:schemeClr val="accent1"/>
+          </a:effectRef>
+          <a:fontRef idx="minor">
+            <a:schemeClr val="tx1"/>
+          </a:fontRef>
+        </p:style>
+      </p:cxnSp>
+    </p:spTree>
+    <p:extLst>
+      <p:ext uri="{BB962C8B-B14F-4D97-AF65-F5344CB8AC3E}">
+        <p14:creationId xmlns:p14="http://schemas.microsoft.com/office/powerpoint/2010/main" val="4128740659"/>
       </p:ext>
     </p:extLst>
   </p:cSld>

--- a/5. Local Data/Custom Contact Feature.pptx
+++ b/5. Local Data/Custom Contact Feature.pptx
@@ -5418,10 +5418,10 @@
       </p:sp>
       <p:pic>
         <p:nvPicPr>
-          <p:cNvPr id="4" name="Picture 3">
-            <a:extLst>
-              <a:ext uri="{FF2B5EF4-FFF2-40B4-BE49-F238E27FC236}">
-                <a16:creationId xmlns:a16="http://schemas.microsoft.com/office/drawing/2014/main" id="{4A9F89E2-CC46-5443-8E51-63B8D5A17779}"/>
+          <p:cNvPr id="11" name="Picture 10">
+            <a:extLst>
+              <a:ext uri="{FF2B5EF4-FFF2-40B4-BE49-F238E27FC236}">
+                <a16:creationId xmlns:a16="http://schemas.microsoft.com/office/drawing/2014/main" id="{04947563-6AD4-2941-A594-E27BB349B1DB}"/>
               </a:ext>
             </a:extLst>
           </p:cNvPr>
@@ -5438,8 +5438,8 @@
         </p:blipFill>
         <p:spPr>
           <a:xfrm>
-            <a:off x="3893574" y="2872862"/>
-            <a:ext cx="5905500" cy="2527300"/>
+            <a:off x="3893574" y="2897016"/>
+            <a:ext cx="3949700" cy="2133600"/>
           </a:xfrm>
           <a:prstGeom prst="rect">
             <a:avLst/>
